--- a/HTML5-ItsNotJustForHipsters.pptx
+++ b/HTML5-ItsNotJustForHipsters.pptx
@@ -2,7 +2,7 @@
 <file path=ppt/presentation.xml><?xml version="1.0" encoding="utf-8"?>
 <p:presentation xmlns:a="http://schemas.openxmlformats.org/drawingml/2006/main" xmlns:r="http://schemas.openxmlformats.org/officeDocument/2006/relationships" xmlns:p="http://schemas.openxmlformats.org/presentationml/2006/main" saveSubsetFonts="1">
   <p:sldMasterIdLst>
-    <p:sldMasterId id="2147483732" r:id="rId1"/>
+    <p:sldMasterId id="2147483756" r:id="rId1"/>
   </p:sldMasterIdLst>
   <p:notesMasterIdLst>
     <p:notesMasterId r:id="rId34"/>
@@ -3146,7 +3146,7 @@
           <a:p>
             <a:fld id="{D39C16E0-0246-47C1-91A7-ED3E8784215F}" type="datetimeFigureOut">
               <a:rPr lang="en-US" smtClean="0"/>
-              <a:t>8/21/2012</a:t>
+              <a:t>8/29/2012</a:t>
             </a:fld>
             <a:endParaRPr lang="en-US"/>
           </a:p>
@@ -11044,26 +11044,18 @@
             </a:br>
             <a:r>
               <a:rPr lang="en-US" sz="1400" dirty="0" smtClean="0"/>
-              <a:t>Senior </a:t>
-            </a:r>
-            <a:r>
-              <a:rPr lang="en-US" sz="1400" dirty="0" err="1" smtClean="0"/>
-              <a:t>Sofware</a:t>
-            </a:r>
-            <a:r>
-              <a:rPr lang="en-US" sz="1400" dirty="0" smtClean="0"/>
-              <a:t> Engineer</a:t>
+              <a:t>Senior Software Engineer</a:t>
             </a:r>
             <a:br>
               <a:rPr lang="en-US" sz="1400" dirty="0" smtClean="0"/>
             </a:br>
             <a:r>
               <a:rPr lang="en-US" sz="1400" dirty="0" smtClean="0"/>
-              <a:t>Skyline Technologies, </a:t>
-            </a:r>
-            <a:r>
-              <a:rPr lang="en-US" sz="1400" dirty="0" err="1" smtClean="0"/>
-              <a:t>Inc</a:t>
+              <a:t>Skyline Technologies</a:t>
+            </a:r>
+            <a:r>
+              <a:rPr lang="en-US" sz="1400" smtClean="0"/>
+              <a:t>, Inc.</a:t>
             </a:r>
             <a:endParaRPr lang="en-US" sz="1400" dirty="0" smtClean="0"/>
           </a:p>
@@ -11121,7 +11113,7 @@
     </p:spTree>
     <p:extLst>
       <p:ext uri="{BB962C8B-B14F-4D97-AF65-F5344CB8AC3E}">
-        <p14:creationId xmlns:p14="http://schemas.microsoft.com/office/powerpoint/2010/main" val="2533683502"/>
+        <p14:creationId xmlns:p14="http://schemas.microsoft.com/office/powerpoint/2010/main" val="230319613"/>
       </p:ext>
     </p:extLst>
   </p:cSld>
@@ -11238,7 +11230,7 @@
     </p:spTree>
     <p:extLst>
       <p:ext uri="{BB962C8B-B14F-4D97-AF65-F5344CB8AC3E}">
-        <p14:creationId xmlns:p14="http://schemas.microsoft.com/office/powerpoint/2010/main" val="2472643175"/>
+        <p14:creationId xmlns:p14="http://schemas.microsoft.com/office/powerpoint/2010/main" val="3873109058"/>
       </p:ext>
     </p:extLst>
   </p:cSld>
@@ -11360,7 +11352,7 @@
     </p:spTree>
     <p:extLst>
       <p:ext uri="{BB962C8B-B14F-4D97-AF65-F5344CB8AC3E}">
-        <p14:creationId xmlns:p14="http://schemas.microsoft.com/office/powerpoint/2010/main" val="832196404"/>
+        <p14:creationId xmlns:p14="http://schemas.microsoft.com/office/powerpoint/2010/main" val="541359601"/>
       </p:ext>
     </p:extLst>
   </p:cSld>
@@ -11472,7 +11464,7 @@
     </p:spTree>
     <p:extLst>
       <p:ext uri="{BB962C8B-B14F-4D97-AF65-F5344CB8AC3E}">
-        <p14:creationId xmlns:p14="http://schemas.microsoft.com/office/powerpoint/2010/main" val="750921648"/>
+        <p14:creationId xmlns:p14="http://schemas.microsoft.com/office/powerpoint/2010/main" val="2518152344"/>
       </p:ext>
     </p:extLst>
   </p:cSld>
@@ -11665,7 +11657,7 @@
     </p:spTree>
     <p:extLst>
       <p:ext uri="{BB962C8B-B14F-4D97-AF65-F5344CB8AC3E}">
-        <p14:creationId xmlns:p14="http://schemas.microsoft.com/office/powerpoint/2010/main" val="2857561515"/>
+        <p14:creationId xmlns:p14="http://schemas.microsoft.com/office/powerpoint/2010/main" val="3749326830"/>
       </p:ext>
     </p:extLst>
   </p:cSld>
@@ -11839,7 +11831,7 @@
     </p:spTree>
     <p:extLst>
       <p:ext uri="{BB962C8B-B14F-4D97-AF65-F5344CB8AC3E}">
-        <p14:creationId xmlns:p14="http://schemas.microsoft.com/office/powerpoint/2010/main" val="2135395354"/>
+        <p14:creationId xmlns:p14="http://schemas.microsoft.com/office/powerpoint/2010/main" val="2710868392"/>
       </p:ext>
     </p:extLst>
   </p:cSld>
@@ -12151,7 +12143,7 @@
     </p:spTree>
     <p:extLst>
       <p:ext uri="{BB962C8B-B14F-4D97-AF65-F5344CB8AC3E}">
-        <p14:creationId xmlns:p14="http://schemas.microsoft.com/office/powerpoint/2010/main" val="4230593827"/>
+        <p14:creationId xmlns:p14="http://schemas.microsoft.com/office/powerpoint/2010/main" val="1673141513"/>
       </p:ext>
     </p:extLst>
   </p:cSld>
@@ -12211,7 +12203,7 @@
     </p:spTree>
     <p:extLst>
       <p:ext uri="{BB962C8B-B14F-4D97-AF65-F5344CB8AC3E}">
-        <p14:creationId xmlns:p14="http://schemas.microsoft.com/office/powerpoint/2010/main" val="852056075"/>
+        <p14:creationId xmlns:p14="http://schemas.microsoft.com/office/powerpoint/2010/main" val="1176783534"/>
       </p:ext>
     </p:extLst>
   </p:cSld>
@@ -12271,7 +12263,7 @@
     </p:spTree>
     <p:extLst>
       <p:ext uri="{BB962C8B-B14F-4D97-AF65-F5344CB8AC3E}">
-        <p14:creationId xmlns:p14="http://schemas.microsoft.com/office/powerpoint/2010/main" val="1402006188"/>
+        <p14:creationId xmlns:p14="http://schemas.microsoft.com/office/powerpoint/2010/main" val="1716691044"/>
       </p:ext>
     </p:extLst>
   </p:cSld>
@@ -12503,7 +12495,7 @@
     </p:spTree>
     <p:extLst>
       <p:ext uri="{BB962C8B-B14F-4D97-AF65-F5344CB8AC3E}">
-        <p14:creationId xmlns:p14="http://schemas.microsoft.com/office/powerpoint/2010/main" val="322299902"/>
+        <p14:creationId xmlns:p14="http://schemas.microsoft.com/office/powerpoint/2010/main" val="1595320987"/>
       </p:ext>
     </p:extLst>
   </p:cSld>
@@ -12715,7 +12707,7 @@
     </p:spTree>
     <p:extLst>
       <p:ext uri="{BB962C8B-B14F-4D97-AF65-F5344CB8AC3E}">
-        <p14:creationId xmlns:p14="http://schemas.microsoft.com/office/powerpoint/2010/main" val="832880329"/>
+        <p14:creationId xmlns:p14="http://schemas.microsoft.com/office/powerpoint/2010/main" val="2177961405"/>
       </p:ext>
     </p:extLst>
   </p:cSld>
@@ -12912,23 +12904,23 @@
     </p:spTree>
     <p:extLst>
       <p:ext uri="{BB962C8B-B14F-4D97-AF65-F5344CB8AC3E}">
-        <p14:creationId xmlns:p14="http://schemas.microsoft.com/office/powerpoint/2010/main" val="97078420"/>
+        <p14:creationId xmlns:p14="http://schemas.microsoft.com/office/powerpoint/2010/main" val="3439987565"/>
       </p:ext>
     </p:extLst>
   </p:cSld>
   <p:clrMap bg1="lt1" tx1="dk1" bg2="lt2" tx2="dk2" accent1="accent1" accent2="accent2" accent3="accent3" accent4="accent4" accent5="accent5" accent6="accent6" hlink="hlink" folHlink="folHlink"/>
   <p:sldLayoutIdLst>
-    <p:sldLayoutId id="2147483733" r:id="rId1"/>
-    <p:sldLayoutId id="2147483734" r:id="rId2"/>
-    <p:sldLayoutId id="2147483735" r:id="rId3"/>
-    <p:sldLayoutId id="2147483736" r:id="rId4"/>
-    <p:sldLayoutId id="2147483737" r:id="rId5"/>
-    <p:sldLayoutId id="2147483738" r:id="rId6"/>
-    <p:sldLayoutId id="2147483739" r:id="rId7"/>
-    <p:sldLayoutId id="2147483740" r:id="rId8"/>
-    <p:sldLayoutId id="2147483741" r:id="rId9"/>
-    <p:sldLayoutId id="2147483742" r:id="rId10"/>
-    <p:sldLayoutId id="2147483743" r:id="rId11"/>
+    <p:sldLayoutId id="2147483757" r:id="rId1"/>
+    <p:sldLayoutId id="2147483758" r:id="rId2"/>
+    <p:sldLayoutId id="2147483759" r:id="rId3"/>
+    <p:sldLayoutId id="2147483760" r:id="rId4"/>
+    <p:sldLayoutId id="2147483761" r:id="rId5"/>
+    <p:sldLayoutId id="2147483762" r:id="rId6"/>
+    <p:sldLayoutId id="2147483763" r:id="rId7"/>
+    <p:sldLayoutId id="2147483764" r:id="rId8"/>
+    <p:sldLayoutId id="2147483765" r:id="rId9"/>
+    <p:sldLayoutId id="2147483766" r:id="rId10"/>
+    <p:sldLayoutId id="2147483767" r:id="rId11"/>
   </p:sldLayoutIdLst>
   <p:timing>
     <p:tnLst>
@@ -13799,10 +13791,6 @@
                 <a:rPr lang="en-US" sz="2025" dirty="0"/>
                 <a:t>It’s the native app killer</a:t>
               </a:r>
-              <a:r>
-                <a:rPr lang="en-US" sz="2025" dirty="0"/>
-                <a:t/>
-              </a:r>
               <a:br>
                 <a:rPr lang="en-US" sz="2025" dirty="0"/>
               </a:br>
@@ -13903,7 +13891,6 @@
                 <a:rPr lang="en-US" sz="2025" dirty="0"/>
                 <a:t>HTML5 video will kill Flash</a:t>
               </a:r>
-              <a:endParaRPr lang="en-US" sz="2025" dirty="0"/>
             </a:p>
           </p:txBody>
         </p:sp>
@@ -15601,16 +15588,6 @@
               </a:rPr>
               <a:t>&lt;div&gt;</a:t>
             </a:r>
-            <a:endParaRPr lang="en-US" sz="3300" dirty="0">
-              <a:ln w="0"/>
-              <a:effectLst>
-                <a:outerShdw blurRad="38100" dist="19050" dir="2700000" algn="tl" rotWithShape="0">
-                  <a:schemeClr val="tx1">
-                    <a:alpha val="40000"/>
-                  </a:schemeClr>
-                </a:outerShdw>
-              </a:effectLst>
-            </a:endParaRPr>
           </a:p>
         </p:txBody>
       </p:sp>
@@ -15650,16 +15627,6 @@
               </a:rPr>
               <a:t>&lt;div&gt;</a:t>
             </a:r>
-            <a:endParaRPr lang="en-US" sz="3300" dirty="0">
-              <a:ln w="0"/>
-              <a:effectLst>
-                <a:outerShdw blurRad="38100" dist="19050" dir="2700000" algn="tl" rotWithShape="0">
-                  <a:schemeClr val="tx1">
-                    <a:alpha val="40000"/>
-                  </a:schemeClr>
-                </a:outerShdw>
-              </a:effectLst>
-            </a:endParaRPr>
           </a:p>
         </p:txBody>
       </p:sp>
@@ -15699,16 +15666,6 @@
               </a:rPr>
               <a:t>&lt;div&gt;</a:t>
             </a:r>
-            <a:endParaRPr lang="en-US" sz="3300" dirty="0">
-              <a:ln w="0"/>
-              <a:effectLst>
-                <a:outerShdw blurRad="38100" dist="19050" dir="2700000" algn="tl" rotWithShape="0">
-                  <a:schemeClr val="tx1">
-                    <a:alpha val="40000"/>
-                  </a:schemeClr>
-                </a:outerShdw>
-              </a:effectLst>
-            </a:endParaRPr>
           </a:p>
         </p:txBody>
       </p:sp>
@@ -15748,16 +15705,6 @@
               </a:rPr>
               <a:t>&lt;/div&gt;</a:t>
             </a:r>
-            <a:endParaRPr lang="en-US" sz="3300" dirty="0">
-              <a:ln w="0"/>
-              <a:effectLst>
-                <a:outerShdw blurRad="38100" dist="19050" dir="2700000" algn="tl" rotWithShape="0">
-                  <a:schemeClr val="tx1">
-                    <a:alpha val="40000"/>
-                  </a:schemeClr>
-                </a:outerShdw>
-              </a:effectLst>
-            </a:endParaRPr>
           </a:p>
         </p:txBody>
       </p:sp>
@@ -15797,16 +15744,6 @@
               </a:rPr>
               <a:t>&lt;/div&gt;</a:t>
             </a:r>
-            <a:endParaRPr lang="en-US" sz="3300" dirty="0">
-              <a:ln w="0"/>
-              <a:effectLst>
-                <a:outerShdw blurRad="38100" dist="19050" dir="2700000" algn="tl" rotWithShape="0">
-                  <a:schemeClr val="tx1">
-                    <a:alpha val="40000"/>
-                  </a:schemeClr>
-                </a:outerShdw>
-              </a:effectLst>
-            </a:endParaRPr>
           </a:p>
         </p:txBody>
       </p:sp>
@@ -15846,16 +15783,6 @@
               </a:rPr>
               <a:t>&lt;/div&gt;</a:t>
             </a:r>
-            <a:endParaRPr lang="en-US" sz="3300" dirty="0">
-              <a:ln w="0"/>
-              <a:effectLst>
-                <a:outerShdw blurRad="38100" dist="19050" dir="2700000" algn="tl" rotWithShape="0">
-                  <a:schemeClr val="tx1">
-                    <a:alpha val="40000"/>
-                  </a:schemeClr>
-                </a:outerShdw>
-              </a:effectLst>
-            </a:endParaRPr>
           </a:p>
         </p:txBody>
       </p:sp>
@@ -15895,16 +15822,6 @@
               </a:rPr>
               <a:t>?</a:t>
             </a:r>
-            <a:endParaRPr lang="en-US" sz="11250" dirty="0">
-              <a:ln w="0"/>
-              <a:effectLst>
-                <a:outerShdw blurRad="38100" dist="19050" dir="2700000" algn="tl" rotWithShape="0">
-                  <a:schemeClr val="tx1">
-                    <a:alpha val="40000"/>
-                  </a:schemeClr>
-                </a:outerShdw>
-              </a:effectLst>
-            </a:endParaRPr>
           </a:p>
         </p:txBody>
       </p:sp>
@@ -23043,7 +22960,6 @@
               <a:rPr lang="en-US" sz="1500" dirty="0"/>
               <a:t>&lt;/html&gt;</a:t>
             </a:r>
-            <a:endParaRPr lang="en-US" sz="1500" dirty="0"/>
           </a:p>
         </p:txBody>
       </p:sp>
@@ -23471,11 +23387,6 @@
               </a:rPr>
               <a:t>&lt;/html&gt;</a:t>
             </a:r>
-            <a:endParaRPr lang="en-US" sz="1500" dirty="0">
-              <a:solidFill>
-                <a:srgbClr val="000000"/>
-              </a:solidFill>
-            </a:endParaRPr>
           </a:p>
         </p:txBody>
       </p:sp>
@@ -25313,15 +25224,7 @@
                   <a:schemeClr val="accent4"/>
                 </a:solidFill>
               </a:rPr>
-              <a:t>Progressive Enhancement Graceful </a:t>
-            </a:r>
-            <a:r>
-              <a:rPr lang="en-US" sz="2400" kern="0" dirty="0">
-                <a:solidFill>
-                  <a:schemeClr val="accent4"/>
-                </a:solidFill>
-              </a:rPr>
-              <a:t>Degradation</a:t>
+              <a:t>Progressive Enhancement Graceful Degradation</a:t>
             </a:r>
           </a:p>
           <a:p>
@@ -25729,11 +25632,6 @@
               </a:rPr>
               <a:t>www.modernizr.com</a:t>
             </a:r>
-            <a:endParaRPr lang="en-US" sz="2400" kern="0" dirty="0">
-              <a:solidFill>
-                <a:schemeClr val="accent4"/>
-              </a:solidFill>
-            </a:endParaRPr>
           </a:p>
         </p:txBody>
       </p:sp>
@@ -26257,28 +26155,24 @@
               <a:rPr lang="en-US" sz="1800" kern="0" dirty="0"/>
               <a:t>Definition varies</a:t>
             </a:r>
-            <a:endParaRPr lang="en-US" sz="1800" kern="0" dirty="0"/>
           </a:p>
           <a:p>
             <a:r>
               <a:rPr lang="en-US" sz="1800" kern="0" dirty="0"/>
               <a:t>It’s huge but…</a:t>
             </a:r>
-            <a:endParaRPr lang="en-US" sz="1800" kern="0" dirty="0"/>
           </a:p>
           <a:p>
             <a:r>
               <a:rPr lang="en-US" sz="1800" kern="0" dirty="0"/>
               <a:t>5 words</a:t>
             </a:r>
-            <a:endParaRPr lang="en-US" sz="1800" kern="0" dirty="0"/>
           </a:p>
           <a:p>
             <a:r>
               <a:rPr lang="en-US" sz="1800" kern="0" dirty="0"/>
               <a:t>Be responsible</a:t>
             </a:r>
-            <a:endParaRPr lang="en-US" sz="1800" kern="0" dirty="0"/>
           </a:p>
         </p:txBody>
       </p:sp>
@@ -26904,11 +26798,7 @@
           <a:p>
             <a:r>
               <a:rPr lang="en-US" sz="1800" kern="0" dirty="0"/>
-              <a:t>Find </a:t>
-            </a:r>
-            <a:r>
-              <a:rPr lang="en-US" sz="1800" kern="0" dirty="0"/>
-              <a:t>me:</a:t>
+              <a:t>Find me:</a:t>
             </a:r>
           </a:p>
           <a:p>
@@ -27369,9 +27259,6 @@
               </a:rPr>
               <a:t>Just the new markup and form elements?</a:t>
             </a:r>
-            <a:endParaRPr lang="en-US" sz="1800" dirty="0">
-              <a:latin typeface="+mn-lt"/>
-            </a:endParaRPr>
           </a:p>
           <a:p>
             <a:pPr marL="257175" indent="-257175">
@@ -27384,9 +27271,6 @@
               </a:rPr>
               <a:t>Whatever new tech you throw in your site?</a:t>
             </a:r>
-            <a:endParaRPr lang="en-US" sz="1800" dirty="0">
-              <a:latin typeface="+mn-lt"/>
-            </a:endParaRPr>
           </a:p>
           <a:p>
             <a:pPr marL="257175" indent="-257175">
@@ -27399,9 +27283,6 @@
               </a:rPr>
               <a:t>Everything new and interesting on the web?</a:t>
             </a:r>
-            <a:endParaRPr lang="en-US" sz="1800" dirty="0">
-              <a:latin typeface="+mn-lt"/>
-            </a:endParaRPr>
           </a:p>
         </p:txBody>
       </p:sp>
@@ -27629,23 +27510,7 @@
                       <a:lin ang="5400000" scaled="0"/>
                     </a:gradFill>
                   </a:rPr>
-                  <a:t>“     </a:t>
-                </a:r>
-                <a:r>
-                  <a:rPr lang="en-US" sz="7200" dirty="0">
-                    <a:gradFill>
-                      <a:gsLst>
-                        <a:gs pos="0">
-                          <a:schemeClr val="tx1"/>
-                        </a:gs>
-                        <a:gs pos="86000">
-                          <a:schemeClr val="tx1"/>
-                        </a:gs>
-                      </a:gsLst>
-                      <a:lin ang="5400000" scaled="0"/>
-                    </a:gradFill>
-                  </a:rPr>
-                  <a:t>”</a:t>
+                  <a:t>“     ”</a:t>
                 </a:r>
               </a:p>
             </p:txBody>
@@ -32259,13 +32124,6 @@
                 </a:rPr>
                 <a:t> Ed)</a:t>
               </a:r>
-              <a:endParaRPr lang="en-US" sz="1050" dirty="0">
-                <a:solidFill>
-                  <a:schemeClr val="tx1">
-                    <a:alpha val="99000"/>
-                  </a:schemeClr>
-                </a:solidFill>
-              </a:endParaRPr>
             </a:p>
             <a:p>
               <a:pPr defTabSz="514250"/>
@@ -32673,18 +32531,6 @@
                   </a:rPr>
                   <a:t>Forms</a:t>
                 </a:r>
-                <a:endParaRPr lang="en-US" sz="1050" dirty="0">
-                  <a:gradFill>
-                    <a:gsLst>
-                      <a:gs pos="0">
-                        <a:schemeClr val="tx1"/>
-                      </a:gs>
-                      <a:gs pos="100000">
-                        <a:schemeClr val="tx1"/>
-                      </a:gs>
-                    </a:gsLst>
-                  </a:gradFill>
-                </a:endParaRPr>
               </a:p>
               <a:p>
                 <a:pPr defTabSz="514250"/>
